--- a/assets/templates/template02.pptx
+++ b/assets/templates/template02.pptx
@@ -231,7 +231,7 @@
           <a:p>
             <a:fld id="{92527015-A187-4A9B-8AD0-CF9654B40057}" type="datetimeFigureOut">
               <a:rPr lang="zh-CN" altLang="en-US" smtClean="0"/>
-              <a:t>2025/10/19</a:t>
+              <a:t>2025/10/20</a:t>
             </a:fld>
             <a:endParaRPr lang="zh-CN" altLang="en-US"/>
           </a:p>
@@ -3249,7 +3249,7 @@
         </a:spcBef>
         <a:buFont typeface="Arial" panose="020B0604020202020204" pitchFamily="34" charset="0"/>
         <a:buChar char="•"/>
-        <a:defRPr sz="1200" kern="1200">
+        <a:defRPr sz="1100" kern="1200">
           <a:solidFill>
             <a:schemeClr val="tx1"/>
           </a:solidFill>
